--- a/안드로이드 프로젝트.pptx
+++ b/안드로이드 프로젝트.pptx
@@ -17,8 +17,9 @@
     <p:sldId id="264" r:id="rId11"/>
     <p:sldId id="270" r:id="rId12"/>
     <p:sldId id="266" r:id="rId13"/>
-    <p:sldId id="269" r:id="rId14"/>
-    <p:sldId id="267" r:id="rId15"/>
+    <p:sldId id="271" r:id="rId14"/>
+    <p:sldId id="269" r:id="rId15"/>
+    <p:sldId id="267" r:id="rId16"/>
   </p:sldIdLst>
   <p:sldSz cx="12192000" cy="6858000"/>
   <p:notesSz cx="6858000" cy="9144000"/>
@@ -3764,7 +3765,7 @@
         </p:blipFill>
         <p:spPr>
           <a:xfrm>
-            <a:off x="6028582" y="5167312"/>
+            <a:off x="6447742" y="5100200"/>
             <a:ext cx="4887007" cy="1095528"/>
           </a:xfrm>
           <a:prstGeom prst="rect">
@@ -3772,6 +3773,58 @@
           </a:prstGeom>
         </p:spPr>
       </p:pic>
+      <p:sp>
+        <p:nvSpPr>
+          <p:cNvPr id="11" name="TextBox 10">
+            <a:extLst>
+              <a:ext uri="{FF2B5EF4-FFF2-40B4-BE49-F238E27FC236}">
+                <a16:creationId xmlns:a16="http://schemas.microsoft.com/office/drawing/2014/main" id="{8D2DD2ED-3485-42F3-8E7D-31A4E7E99AD9}"/>
+              </a:ext>
+            </a:extLst>
+          </p:cNvPr>
+          <p:cNvSpPr txBox="1"/>
+          <p:nvPr/>
+        </p:nvSpPr>
+        <p:spPr>
+          <a:xfrm>
+            <a:off x="6164687" y="4494905"/>
+            <a:ext cx="5189113" cy="369332"/>
+          </a:xfrm>
+          <a:prstGeom prst="rect">
+            <a:avLst/>
+          </a:prstGeom>
+          <a:noFill/>
+        </p:spPr>
+        <p:txBody>
+          <a:bodyPr wrap="none" rtlCol="0">
+            <a:spAutoFit/>
+          </a:bodyPr>
+          <a:lstStyle/>
+          <a:p>
+            <a:r>
+              <a:rPr lang="ko-KR" altLang="en-US" dirty="0"/>
+              <a:t>디바이스에 저장된 리스트 </a:t>
+            </a:r>
+            <a:r>
+              <a:rPr lang="ko-KR" altLang="en-US"/>
+              <a:t>삭제</a:t>
+            </a:r>
+            <a:r>
+              <a:rPr lang="en-US" altLang="ko-KR" dirty="0"/>
+              <a:t>(</a:t>
+            </a:r>
+            <a:r>
+              <a:rPr lang="en-US" altLang="ko-KR" dirty="0" err="1"/>
+              <a:t>editor.remove</a:t>
+            </a:r>
+            <a:r>
+              <a:rPr lang="en-US" altLang="ko-KR" dirty="0"/>
+              <a:t>();)</a:t>
+            </a:r>
+            <a:endParaRPr lang="ko-KR" altLang="en-US" dirty="0"/>
+          </a:p>
+        </p:txBody>
+      </p:sp>
     </p:spTree>
     <p:extLst>
       <p:ext uri="{BB962C8B-B14F-4D97-AF65-F5344CB8AC3E}">
@@ -3925,19 +3978,17 @@
       </p:sp>
       <p:pic>
         <p:nvPicPr>
-          <p:cNvPr id="5" name="내용 개체 틀 4">
-            <a:extLst>
-              <a:ext uri="{FF2B5EF4-FFF2-40B4-BE49-F238E27FC236}">
-                <a16:creationId xmlns:a16="http://schemas.microsoft.com/office/drawing/2014/main" id="{BBE34C48-62C4-41CD-BA6D-56B86494BC34}"/>
+          <p:cNvPr id="8" name="그림 7">
+            <a:extLst>
+              <a:ext uri="{FF2B5EF4-FFF2-40B4-BE49-F238E27FC236}">
+                <a16:creationId xmlns:a16="http://schemas.microsoft.com/office/drawing/2014/main" id="{55D38AD4-EFF7-4A12-9ACF-1E581F5ECBA6}"/>
               </a:ext>
             </a:extLst>
           </p:cNvPr>
           <p:cNvPicPr>
-            <a:picLocks noGrp="1" noChangeAspect="1"/>
+            <a:picLocks noChangeAspect="1"/>
           </p:cNvPicPr>
-          <p:nvPr>
-            <p:ph idx="1"/>
-          </p:nvPr>
+          <p:nvPr/>
         </p:nvPicPr>
         <p:blipFill>
           <a:blip r:embed="rId2">
@@ -3953,75 +4004,7 @@
         </p:blipFill>
         <p:spPr>
           <a:xfrm>
-            <a:off x="1470724" y="5979996"/>
-            <a:ext cx="3124636" cy="333422"/>
-          </a:xfrm>
-        </p:spPr>
-      </p:pic>
-      <p:sp>
-        <p:nvSpPr>
-          <p:cNvPr id="6" name="TextBox 5">
-            <a:extLst>
-              <a:ext uri="{FF2B5EF4-FFF2-40B4-BE49-F238E27FC236}">
-                <a16:creationId xmlns:a16="http://schemas.microsoft.com/office/drawing/2014/main" id="{7B49EC74-E61E-46CA-83E3-E79EFBCC78B8}"/>
-              </a:ext>
-            </a:extLst>
-          </p:cNvPr>
-          <p:cNvSpPr txBox="1"/>
-          <p:nvPr/>
-        </p:nvSpPr>
-        <p:spPr>
-          <a:xfrm>
-            <a:off x="463627" y="5610664"/>
-            <a:ext cx="5291833" cy="369332"/>
-          </a:xfrm>
-          <a:prstGeom prst="rect">
-            <a:avLst/>
-          </a:prstGeom>
-          <a:noFill/>
-        </p:spPr>
-        <p:txBody>
-          <a:bodyPr wrap="none" rtlCol="0">
-            <a:spAutoFit/>
-          </a:bodyPr>
-          <a:lstStyle/>
-          <a:p>
-            <a:r>
-              <a:rPr lang="ko-KR" altLang="en-US" dirty="0"/>
-              <a:t>점수들을 나열할 리스트 뷰에 나열할 데이터 지정</a:t>
-            </a:r>
-          </a:p>
-        </p:txBody>
-      </p:sp>
-      <p:pic>
-        <p:nvPicPr>
-          <p:cNvPr id="8" name="그림 7">
-            <a:extLst>
-              <a:ext uri="{FF2B5EF4-FFF2-40B4-BE49-F238E27FC236}">
-                <a16:creationId xmlns:a16="http://schemas.microsoft.com/office/drawing/2014/main" id="{55D38AD4-EFF7-4A12-9ACF-1E581F5ECBA6}"/>
-              </a:ext>
-            </a:extLst>
-          </p:cNvPr>
-          <p:cNvPicPr>
-            <a:picLocks noChangeAspect="1"/>
-          </p:cNvPicPr>
-          <p:nvPr/>
-        </p:nvPicPr>
-        <p:blipFill>
-          <a:blip r:embed="rId3">
-            <a:extLst>
-              <a:ext uri="{28A0092B-C50C-407E-A947-70E740481C1C}">
-                <a14:useLocalDpi xmlns:a14="http://schemas.microsoft.com/office/drawing/2010/main" val="0"/>
-              </a:ext>
-            </a:extLst>
-          </a:blip>
-          <a:stretch>
-            <a:fillRect/>
-          </a:stretch>
-        </p:blipFill>
-        <p:spPr>
-          <a:xfrm>
-            <a:off x="6740172" y="1867423"/>
+            <a:off x="6694454" y="4512912"/>
             <a:ext cx="5451828" cy="2345088"/>
           </a:xfrm>
           <a:prstGeom prst="rect">
@@ -4044,7 +4027,7 @@
           <p:nvPr/>
         </p:nvPicPr>
         <p:blipFill>
-          <a:blip r:embed="rId4">
+          <a:blip r:embed="rId3">
             <a:extLst>
               <a:ext uri="{28A0092B-C50C-407E-A947-70E740481C1C}">
                 <a14:useLocalDpi xmlns:a14="http://schemas.microsoft.com/office/drawing/2010/main" val="0"/>
@@ -4057,7 +4040,7 @@
         </p:blipFill>
         <p:spPr>
           <a:xfrm>
-            <a:off x="313275" y="1856731"/>
+            <a:off x="6529517" y="1796714"/>
             <a:ext cx="5439534" cy="1933845"/>
           </a:xfrm>
           <a:prstGeom prst="rect">
@@ -4079,7 +4062,7 @@
         </p:nvSpPr>
         <p:spPr>
           <a:xfrm>
-            <a:off x="0" y="1498091"/>
+            <a:off x="5998128" y="1404378"/>
             <a:ext cx="6066084" cy="369332"/>
           </a:xfrm>
           <a:prstGeom prst="rect">
@@ -4114,7 +4097,7 @@
         </p:nvSpPr>
         <p:spPr>
           <a:xfrm>
-            <a:off x="8096961" y="1404378"/>
+            <a:off x="8051243" y="3937069"/>
             <a:ext cx="2738250" cy="369332"/>
           </a:xfrm>
           <a:prstGeom prst="rect">
@@ -4137,20 +4120,22 @@
       </p:sp>
       <p:pic>
         <p:nvPicPr>
-          <p:cNvPr id="14" name="그림 13">
-            <a:extLst>
-              <a:ext uri="{FF2B5EF4-FFF2-40B4-BE49-F238E27FC236}">
-                <a16:creationId xmlns:a16="http://schemas.microsoft.com/office/drawing/2014/main" id="{36312110-F457-47C0-A6D4-DACF727C0C1D}"/>
+          <p:cNvPr id="18" name="내용 개체 틀 17">
+            <a:extLst>
+              <a:ext uri="{FF2B5EF4-FFF2-40B4-BE49-F238E27FC236}">
+                <a16:creationId xmlns:a16="http://schemas.microsoft.com/office/drawing/2014/main" id="{D4D472CA-3045-4D9E-93C4-37C32A1BD805}"/>
               </a:ext>
             </a:extLst>
           </p:cNvPr>
           <p:cNvPicPr>
-            <a:picLocks noChangeAspect="1"/>
+            <a:picLocks noGrp="1" noChangeAspect="1"/>
           </p:cNvPicPr>
-          <p:nvPr/>
+          <p:nvPr>
+            <p:ph idx="1"/>
+          </p:nvPr>
         </p:nvPicPr>
         <p:blipFill>
-          <a:blip r:embed="rId5">
+          <a:blip r:embed="rId4">
             <a:extLst>
               <a:ext uri="{28A0092B-C50C-407E-A947-70E740481C1C}">
                 <a14:useLocalDpi xmlns:a14="http://schemas.microsoft.com/office/drawing/2010/main" val="0"/>
@@ -4163,20 +4148,17 @@
         </p:blipFill>
         <p:spPr>
           <a:xfrm>
-            <a:off x="313275" y="4989355"/>
-            <a:ext cx="3896269" cy="285790"/>
+            <a:off x="218249" y="1875354"/>
+            <a:ext cx="6003234" cy="3598269"/>
           </a:xfrm>
-          <a:prstGeom prst="rect">
-            <a:avLst/>
-          </a:prstGeom>
         </p:spPr>
       </p:pic>
       <p:sp>
         <p:nvSpPr>
-          <p:cNvPr id="15" name="TextBox 14">
-            <a:extLst>
-              <a:ext uri="{FF2B5EF4-FFF2-40B4-BE49-F238E27FC236}">
-                <a16:creationId xmlns:a16="http://schemas.microsoft.com/office/drawing/2014/main" id="{FDFDDEA7-660C-49E8-9FF5-4701A84F3F5B}"/>
+          <p:cNvPr id="19" name="TextBox 18">
+            <a:extLst>
+              <a:ext uri="{FF2B5EF4-FFF2-40B4-BE49-F238E27FC236}">
+                <a16:creationId xmlns:a16="http://schemas.microsoft.com/office/drawing/2014/main" id="{03BC7375-FDDC-4365-983D-7E751ED0CA66}"/>
               </a:ext>
             </a:extLst>
           </p:cNvPr>
@@ -4185,8 +4167,8 @@
         </p:nvSpPr>
         <p:spPr>
           <a:xfrm>
-            <a:off x="313275" y="4320330"/>
-            <a:ext cx="3512500" cy="369332"/>
+            <a:off x="218249" y="1506022"/>
+            <a:ext cx="3199915" cy="369332"/>
           </a:xfrm>
           <a:prstGeom prst="rect">
             <a:avLst/>
@@ -4201,7 +4183,7 @@
           <a:p>
             <a:r>
               <a:rPr lang="ko-KR" altLang="en-US" dirty="0"/>
-              <a:t>점수들을 나열할 리스트 뷰 지정</a:t>
+              <a:t>점수를 표현할 레이아웃 생성</a:t>
             </a:r>
           </a:p>
         </p:txBody>
@@ -4241,6 +4223,285 @@
           <p:cNvPr id="2" name="제목 1">
             <a:extLst>
               <a:ext uri="{FF2B5EF4-FFF2-40B4-BE49-F238E27FC236}">
+                <a16:creationId xmlns:a16="http://schemas.microsoft.com/office/drawing/2014/main" id="{B8B7F9BF-D34B-40BA-AD92-799B64F49324}"/>
+              </a:ext>
+            </a:extLst>
+          </p:cNvPr>
+          <p:cNvSpPr>
+            <a:spLocks noGrp="1"/>
+          </p:cNvSpPr>
+          <p:nvPr>
+            <p:ph type="title"/>
+          </p:nvPr>
+        </p:nvSpPr>
+        <p:spPr/>
+        <p:txBody>
+          <a:bodyPr/>
+          <a:lstStyle/>
+          <a:p>
+            <a:r>
+              <a:rPr lang="ko-KR" altLang="en-US" dirty="0" err="1"/>
+              <a:t>점수판</a:t>
+            </a:r>
+            <a:r>
+              <a:rPr lang="ko-KR" altLang="en-US" dirty="0"/>
+              <a:t> 기능</a:t>
+            </a:r>
+            <a:r>
+              <a:rPr lang="en-US" altLang="ko-KR" dirty="0"/>
+              <a:t>(2)</a:t>
+            </a:r>
+            <a:endParaRPr lang="ko-KR" altLang="en-US" dirty="0"/>
+          </a:p>
+        </p:txBody>
+      </p:sp>
+      <p:pic>
+        <p:nvPicPr>
+          <p:cNvPr id="9" name="내용 개체 틀 8">
+            <a:extLst>
+              <a:ext uri="{FF2B5EF4-FFF2-40B4-BE49-F238E27FC236}">
+                <a16:creationId xmlns:a16="http://schemas.microsoft.com/office/drawing/2014/main" id="{2A510950-61F1-43CA-9143-924602A2A102}"/>
+              </a:ext>
+            </a:extLst>
+          </p:cNvPr>
+          <p:cNvPicPr>
+            <a:picLocks noGrp="1" noChangeAspect="1"/>
+          </p:cNvPicPr>
+          <p:nvPr>
+            <p:ph idx="1"/>
+          </p:nvPr>
+        </p:nvPicPr>
+        <p:blipFill>
+          <a:blip r:embed="rId2">
+            <a:extLst>
+              <a:ext uri="{28A0092B-C50C-407E-A947-70E740481C1C}">
+                <a14:useLocalDpi xmlns:a14="http://schemas.microsoft.com/office/drawing/2010/main" val="0"/>
+              </a:ext>
+            </a:extLst>
+          </a:blip>
+          <a:stretch>
+            <a:fillRect/>
+          </a:stretch>
+        </p:blipFill>
+        <p:spPr>
+          <a:xfrm>
+            <a:off x="1007816" y="2170045"/>
+            <a:ext cx="6032990" cy="3982006"/>
+          </a:xfrm>
+        </p:spPr>
+      </p:pic>
+      <p:pic>
+        <p:nvPicPr>
+          <p:cNvPr id="4" name="내용 개체 틀 4">
+            <a:extLst>
+              <a:ext uri="{FF2B5EF4-FFF2-40B4-BE49-F238E27FC236}">
+                <a16:creationId xmlns:a16="http://schemas.microsoft.com/office/drawing/2014/main" id="{A8E753B5-08B7-4555-975E-F0F908CDCA41}"/>
+              </a:ext>
+            </a:extLst>
+          </p:cNvPr>
+          <p:cNvPicPr>
+            <a:picLocks noChangeAspect="1"/>
+          </p:cNvPicPr>
+          <p:nvPr/>
+        </p:nvPicPr>
+        <p:blipFill>
+          <a:blip r:embed="rId3">
+            <a:extLst>
+              <a:ext uri="{28A0092B-C50C-407E-A947-70E740481C1C}">
+                <a14:useLocalDpi xmlns:a14="http://schemas.microsoft.com/office/drawing/2010/main" val="0"/>
+              </a:ext>
+            </a:extLst>
+          </a:blip>
+          <a:stretch>
+            <a:fillRect/>
+          </a:stretch>
+        </p:blipFill>
+        <p:spPr>
+          <a:xfrm>
+            <a:off x="8332919" y="3211542"/>
+            <a:ext cx="3124636" cy="333422"/>
+          </a:xfrm>
+          <a:prstGeom prst="rect">
+            <a:avLst/>
+          </a:prstGeom>
+        </p:spPr>
+      </p:pic>
+      <p:sp>
+        <p:nvSpPr>
+          <p:cNvPr id="5" name="TextBox 4">
+            <a:extLst>
+              <a:ext uri="{FF2B5EF4-FFF2-40B4-BE49-F238E27FC236}">
+                <a16:creationId xmlns:a16="http://schemas.microsoft.com/office/drawing/2014/main" id="{43598030-42BD-4CCF-9CB8-A8A02C8BC518}"/>
+              </a:ext>
+            </a:extLst>
+          </p:cNvPr>
+          <p:cNvSpPr txBox="1"/>
+          <p:nvPr/>
+        </p:nvSpPr>
+        <p:spPr>
+          <a:xfrm>
+            <a:off x="7040806" y="2675885"/>
+            <a:ext cx="5291833" cy="369332"/>
+          </a:xfrm>
+          <a:prstGeom prst="rect">
+            <a:avLst/>
+          </a:prstGeom>
+          <a:noFill/>
+        </p:spPr>
+        <p:txBody>
+          <a:bodyPr wrap="none" rtlCol="0">
+            <a:spAutoFit/>
+          </a:bodyPr>
+          <a:lstStyle/>
+          <a:p>
+            <a:r>
+              <a:rPr lang="ko-KR" altLang="en-US" dirty="0"/>
+              <a:t>점수들을 나열할 리스트 뷰에 나열할 데이터 지정</a:t>
+            </a:r>
+          </a:p>
+        </p:txBody>
+      </p:sp>
+      <p:pic>
+        <p:nvPicPr>
+          <p:cNvPr id="6" name="그림 5">
+            <a:extLst>
+              <a:ext uri="{FF2B5EF4-FFF2-40B4-BE49-F238E27FC236}">
+                <a16:creationId xmlns:a16="http://schemas.microsoft.com/office/drawing/2014/main" id="{6027FA24-EBE8-4B00-BBA5-C99D56B11782}"/>
+              </a:ext>
+            </a:extLst>
+          </p:cNvPr>
+          <p:cNvPicPr>
+            <a:picLocks noChangeAspect="1"/>
+          </p:cNvPicPr>
+          <p:nvPr/>
+        </p:nvPicPr>
+        <p:blipFill>
+          <a:blip r:embed="rId4">
+            <a:extLst>
+              <a:ext uri="{28A0092B-C50C-407E-A947-70E740481C1C}">
+                <a14:useLocalDpi xmlns:a14="http://schemas.microsoft.com/office/drawing/2010/main" val="0"/>
+              </a:ext>
+            </a:extLst>
+          </a:blip>
+          <a:stretch>
+            <a:fillRect/>
+          </a:stretch>
+        </p:blipFill>
+        <p:spPr>
+          <a:xfrm>
+            <a:off x="7457531" y="2280070"/>
+            <a:ext cx="3896269" cy="285790"/>
+          </a:xfrm>
+          <a:prstGeom prst="rect">
+            <a:avLst/>
+          </a:prstGeom>
+        </p:spPr>
+      </p:pic>
+      <p:sp>
+        <p:nvSpPr>
+          <p:cNvPr id="7" name="TextBox 6">
+            <a:extLst>
+              <a:ext uri="{FF2B5EF4-FFF2-40B4-BE49-F238E27FC236}">
+                <a16:creationId xmlns:a16="http://schemas.microsoft.com/office/drawing/2014/main" id="{8712EBFE-7000-4A55-8A50-FF293DDB2A16}"/>
+              </a:ext>
+            </a:extLst>
+          </p:cNvPr>
+          <p:cNvSpPr txBox="1"/>
+          <p:nvPr/>
+        </p:nvSpPr>
+        <p:spPr>
+          <a:xfrm>
+            <a:off x="7580681" y="1800713"/>
+            <a:ext cx="3512500" cy="369332"/>
+          </a:xfrm>
+          <a:prstGeom prst="rect">
+            <a:avLst/>
+          </a:prstGeom>
+          <a:noFill/>
+        </p:spPr>
+        <p:txBody>
+          <a:bodyPr wrap="none" rtlCol="0">
+            <a:spAutoFit/>
+          </a:bodyPr>
+          <a:lstStyle/>
+          <a:p>
+            <a:r>
+              <a:rPr lang="ko-KR" altLang="en-US" dirty="0"/>
+              <a:t>점수들을 나열할 리스트 뷰 지정</a:t>
+            </a:r>
+          </a:p>
+        </p:txBody>
+      </p:sp>
+      <p:sp>
+        <p:nvSpPr>
+          <p:cNvPr id="10" name="TextBox 9">
+            <a:extLst>
+              <a:ext uri="{FF2B5EF4-FFF2-40B4-BE49-F238E27FC236}">
+                <a16:creationId xmlns:a16="http://schemas.microsoft.com/office/drawing/2014/main" id="{FE7CC5F6-F567-4EEE-9648-2010221C704D}"/>
+              </a:ext>
+            </a:extLst>
+          </p:cNvPr>
+          <p:cNvSpPr txBox="1"/>
+          <p:nvPr/>
+        </p:nvSpPr>
+        <p:spPr>
+          <a:xfrm>
+            <a:off x="939567" y="1619075"/>
+            <a:ext cx="2738250" cy="369332"/>
+          </a:xfrm>
+          <a:prstGeom prst="rect">
+            <a:avLst/>
+          </a:prstGeom>
+          <a:noFill/>
+        </p:spPr>
+        <p:txBody>
+          <a:bodyPr wrap="none" rtlCol="0">
+            <a:spAutoFit/>
+          </a:bodyPr>
+          <a:lstStyle/>
+          <a:p>
+            <a:r>
+              <a:rPr lang="ko-KR" altLang="en-US" dirty="0"/>
+              <a:t>리스트 뷰 레이아웃 생성</a:t>
+            </a:r>
+          </a:p>
+        </p:txBody>
+      </p:sp>
+    </p:spTree>
+    <p:extLst>
+      <p:ext uri="{BB962C8B-B14F-4D97-AF65-F5344CB8AC3E}">
+        <p14:creationId xmlns:p14="http://schemas.microsoft.com/office/powerpoint/2010/main" val="3411947268"/>
+      </p:ext>
+    </p:extLst>
+  </p:cSld>
+  <p:clrMapOvr>
+    <a:masterClrMapping/>
+  </p:clrMapOvr>
+</p:sld>
+</file>
+
+<file path=ppt/slides/slide14.xml><?xml version="1.0" encoding="utf-8"?>
+<p:sld xmlns:a="http://schemas.openxmlformats.org/drawingml/2006/main" xmlns:r="http://schemas.openxmlformats.org/officeDocument/2006/relationships" xmlns:p="http://schemas.openxmlformats.org/presentationml/2006/main">
+  <p:cSld>
+    <p:spTree>
+      <p:nvGrpSpPr>
+        <p:cNvPr id="1" name=""/>
+        <p:cNvGrpSpPr/>
+        <p:nvPr/>
+      </p:nvGrpSpPr>
+      <p:grpSpPr>
+        <a:xfrm>
+          <a:off x="0" y="0"/>
+          <a:ext cx="0" cy="0"/>
+          <a:chOff x="0" y="0"/>
+          <a:chExt cx="0" cy="0"/>
+        </a:xfrm>
+      </p:grpSpPr>
+      <p:sp>
+        <p:nvSpPr>
+          <p:cNvPr id="2" name="제목 1">
+            <a:extLst>
+              <a:ext uri="{FF2B5EF4-FFF2-40B4-BE49-F238E27FC236}">
                 <a16:creationId xmlns:a16="http://schemas.microsoft.com/office/drawing/2014/main" id="{95829479-1909-47A0-BA09-49BFEBA66DCA}"/>
               </a:ext>
             </a:extLst>
@@ -4388,7 +4649,7 @@
 </p:sld>
 </file>
 
-<file path=ppt/slides/slide14.xml><?xml version="1.0" encoding="utf-8"?>
+<file path=ppt/slides/slide15.xml><?xml version="1.0" encoding="utf-8"?>
 <p:sld xmlns:a="http://schemas.openxmlformats.org/drawingml/2006/main" xmlns:r="http://schemas.openxmlformats.org/officeDocument/2006/relationships" xmlns:p="http://schemas.openxmlformats.org/presentationml/2006/main">
   <p:cSld>
     <p:spTree>
